--- a/PrezentacjaPrototyp1.pptx
+++ b/PrezentacjaPrototyp1.pptx
@@ -110,6 +110,11 @@
       </a:defRPr>
     </a:lvl9pPr>
   </p:defaultTextStyle>
+  <p:extLst>
+    <p:ext uri="{EFAFB233-063F-42B5-8137-9DF3F51BA10A}">
+      <p15:sldGuideLst xmlns:p15="http://schemas.microsoft.com/office/powerpoint/2012/main"/>
+    </p:ext>
+  </p:extLst>
 </p:presentation>
 </file>
 
@@ -244,7 +249,7 @@
           <a:p>
             <a:fld id="{1C889EFD-15AC-4BCF-821B-0FEEB0790C9D}" type="datetimeFigureOut">
               <a:rPr lang="pl-PL" smtClean="0"/>
-              <a:t>29.10.2020</a:t>
+              <a:t>31.10.2020</a:t>
             </a:fld>
             <a:endParaRPr lang="pl-PL"/>
           </a:p>
@@ -414,7 +419,7 @@
           <a:p>
             <a:fld id="{1C889EFD-15AC-4BCF-821B-0FEEB0790C9D}" type="datetimeFigureOut">
               <a:rPr lang="pl-PL" smtClean="0"/>
-              <a:t>29.10.2020</a:t>
+              <a:t>31.10.2020</a:t>
             </a:fld>
             <a:endParaRPr lang="pl-PL"/>
           </a:p>
@@ -594,7 +599,7 @@
           <a:p>
             <a:fld id="{1C889EFD-15AC-4BCF-821B-0FEEB0790C9D}" type="datetimeFigureOut">
               <a:rPr lang="pl-PL" smtClean="0"/>
-              <a:t>29.10.2020</a:t>
+              <a:t>31.10.2020</a:t>
             </a:fld>
             <a:endParaRPr lang="pl-PL"/>
           </a:p>
@@ -764,7 +769,7 @@
           <a:p>
             <a:fld id="{1C889EFD-15AC-4BCF-821B-0FEEB0790C9D}" type="datetimeFigureOut">
               <a:rPr lang="pl-PL" smtClean="0"/>
-              <a:t>29.10.2020</a:t>
+              <a:t>31.10.2020</a:t>
             </a:fld>
             <a:endParaRPr lang="pl-PL"/>
           </a:p>
@@ -1010,7 +1015,7 @@
           <a:p>
             <a:fld id="{1C889EFD-15AC-4BCF-821B-0FEEB0790C9D}" type="datetimeFigureOut">
               <a:rPr lang="pl-PL" smtClean="0"/>
-              <a:t>29.10.2020</a:t>
+              <a:t>31.10.2020</a:t>
             </a:fld>
             <a:endParaRPr lang="pl-PL"/>
           </a:p>
@@ -1242,7 +1247,7 @@
           <a:p>
             <a:fld id="{1C889EFD-15AC-4BCF-821B-0FEEB0790C9D}" type="datetimeFigureOut">
               <a:rPr lang="pl-PL" smtClean="0"/>
-              <a:t>29.10.2020</a:t>
+              <a:t>31.10.2020</a:t>
             </a:fld>
             <a:endParaRPr lang="pl-PL"/>
           </a:p>
@@ -1609,7 +1614,7 @@
           <a:p>
             <a:fld id="{1C889EFD-15AC-4BCF-821B-0FEEB0790C9D}" type="datetimeFigureOut">
               <a:rPr lang="pl-PL" smtClean="0"/>
-              <a:t>29.10.2020</a:t>
+              <a:t>31.10.2020</a:t>
             </a:fld>
             <a:endParaRPr lang="pl-PL"/>
           </a:p>
@@ -1727,7 +1732,7 @@
           <a:p>
             <a:fld id="{1C889EFD-15AC-4BCF-821B-0FEEB0790C9D}" type="datetimeFigureOut">
               <a:rPr lang="pl-PL" smtClean="0"/>
-              <a:t>29.10.2020</a:t>
+              <a:t>31.10.2020</a:t>
             </a:fld>
             <a:endParaRPr lang="pl-PL"/>
           </a:p>
@@ -1822,7 +1827,7 @@
           <a:p>
             <a:fld id="{1C889EFD-15AC-4BCF-821B-0FEEB0790C9D}" type="datetimeFigureOut">
               <a:rPr lang="pl-PL" smtClean="0"/>
-              <a:t>29.10.2020</a:t>
+              <a:t>31.10.2020</a:t>
             </a:fld>
             <a:endParaRPr lang="pl-PL"/>
           </a:p>
@@ -2099,7 +2104,7 @@
           <a:p>
             <a:fld id="{1C889EFD-15AC-4BCF-821B-0FEEB0790C9D}" type="datetimeFigureOut">
               <a:rPr lang="pl-PL" smtClean="0"/>
-              <a:t>29.10.2020</a:t>
+              <a:t>31.10.2020</a:t>
             </a:fld>
             <a:endParaRPr lang="pl-PL"/>
           </a:p>
@@ -2352,7 +2357,7 @@
           <a:p>
             <a:fld id="{1C889EFD-15AC-4BCF-821B-0FEEB0790C9D}" type="datetimeFigureOut">
               <a:rPr lang="pl-PL" smtClean="0"/>
-              <a:t>29.10.2020</a:t>
+              <a:t>31.10.2020</a:t>
             </a:fld>
             <a:endParaRPr lang="pl-PL"/>
           </a:p>
@@ -2565,7 +2570,7 @@
           <a:p>
             <a:fld id="{1C889EFD-15AC-4BCF-821B-0FEEB0790C9D}" type="datetimeFigureOut">
               <a:rPr lang="pl-PL" smtClean="0"/>
-              <a:t>29.10.2020</a:t>
+              <a:t>31.10.2020</a:t>
             </a:fld>
             <a:endParaRPr lang="pl-PL"/>
           </a:p>
@@ -3785,7 +3790,7 @@
         <p:spPr>
           <a:xfrm>
             <a:off x="9875520" y="4419600"/>
-            <a:ext cx="2148840" cy="1200329"/>
+            <a:ext cx="2148840" cy="1477328"/>
           </a:xfrm>
           <a:prstGeom prst="rect">
             <a:avLst/>
@@ -3800,7 +3805,173 @@
           <a:p>
             <a:r>
               <a:rPr lang="pl-PL" dirty="0" smtClean="0"/>
-              <a:t>Wiszący przycisk umożliwia dostęp do opcji dodawania pomiaru</a:t>
+              <a:t>Wiszący przycisk umożliwia dostęp do opcji dodawania </a:t>
+            </a:r>
+            <a:r>
+              <a:rPr lang="pl-PL" dirty="0" smtClean="0"/>
+              <a:t>zaawansowanych pomiarów</a:t>
+            </a:r>
+            <a:endParaRPr lang="pl-PL" dirty="0"/>
+          </a:p>
+        </p:txBody>
+      </p:sp>
+      <p:sp>
+        <p:nvSpPr>
+          <p:cNvPr id="2" name="Elipsa 1"/>
+          <p:cNvSpPr/>
+          <p:nvPr/>
+        </p:nvSpPr>
+        <p:spPr>
+          <a:xfrm>
+            <a:off x="4297082" y="3908613"/>
+            <a:ext cx="585694" cy="555812"/>
+          </a:xfrm>
+          <a:prstGeom prst="ellipse">
+            <a:avLst/>
+          </a:prstGeom>
+          <a:solidFill>
+            <a:srgbClr val="FF0000"/>
+          </a:solidFill>
+          <a:ln>
+            <a:solidFill>
+              <a:schemeClr val="tx1"/>
+            </a:solidFill>
+          </a:ln>
+        </p:spPr>
+        <p:style>
+          <a:lnRef idx="2">
+            <a:schemeClr val="accent1">
+              <a:shade val="50000"/>
+            </a:schemeClr>
+          </a:lnRef>
+          <a:fillRef idx="1">
+            <a:schemeClr val="accent1"/>
+          </a:fillRef>
+          <a:effectRef idx="0">
+            <a:schemeClr val="accent1"/>
+          </a:effectRef>
+          <a:fontRef idx="minor">
+            <a:schemeClr val="lt1"/>
+          </a:fontRef>
+        </p:style>
+        <p:txBody>
+          <a:bodyPr rtlCol="0" anchor="ctr"/>
+          <a:lstStyle/>
+          <a:p>
+            <a:pPr algn="ctr"/>
+            <a:endParaRPr lang="pl-PL"/>
+          </a:p>
+        </p:txBody>
+      </p:sp>
+      <p:sp>
+        <p:nvSpPr>
+          <p:cNvPr id="3" name="Elipsa 2"/>
+          <p:cNvSpPr/>
+          <p:nvPr/>
+        </p:nvSpPr>
+        <p:spPr>
+          <a:xfrm>
+            <a:off x="4482353" y="4082976"/>
+            <a:ext cx="215152" cy="207085"/>
+          </a:xfrm>
+          <a:prstGeom prst="ellipse">
+            <a:avLst/>
+          </a:prstGeom>
+          <a:solidFill>
+            <a:schemeClr val="bg1"/>
+          </a:solidFill>
+          <a:ln>
+            <a:solidFill>
+              <a:schemeClr val="tx1"/>
+            </a:solidFill>
+          </a:ln>
+        </p:spPr>
+        <p:style>
+          <a:lnRef idx="2">
+            <a:schemeClr val="accent1">
+              <a:shade val="50000"/>
+            </a:schemeClr>
+          </a:lnRef>
+          <a:fillRef idx="1">
+            <a:schemeClr val="accent1"/>
+          </a:fillRef>
+          <a:effectRef idx="0">
+            <a:schemeClr val="accent1"/>
+          </a:effectRef>
+          <a:fontRef idx="minor">
+            <a:schemeClr val="lt1"/>
+          </a:fontRef>
+        </p:style>
+        <p:txBody>
+          <a:bodyPr rtlCol="0" anchor="ctr"/>
+          <a:lstStyle/>
+          <a:p>
+            <a:pPr algn="ctr"/>
+            <a:endParaRPr lang="pl-PL"/>
+          </a:p>
+        </p:txBody>
+      </p:sp>
+      <p:cxnSp>
+        <p:nvCxnSpPr>
+          <p:cNvPr id="11" name="Łącznik prosty ze strzałką 10"/>
+          <p:cNvCxnSpPr/>
+          <p:nvPr/>
+        </p:nvCxnSpPr>
+        <p:spPr>
+          <a:xfrm flipV="1">
+            <a:off x="2271059" y="4374776"/>
+            <a:ext cx="1894541" cy="753036"/>
+          </a:xfrm>
+          <a:prstGeom prst="straightConnector1">
+            <a:avLst/>
+          </a:prstGeom>
+          <a:ln>
+            <a:solidFill>
+              <a:schemeClr val="tx1"/>
+            </a:solidFill>
+            <a:tailEnd type="triangle"/>
+          </a:ln>
+        </p:spPr>
+        <p:style>
+          <a:lnRef idx="1">
+            <a:schemeClr val="accent1"/>
+          </a:lnRef>
+          <a:fillRef idx="0">
+            <a:schemeClr val="accent1"/>
+          </a:fillRef>
+          <a:effectRef idx="0">
+            <a:schemeClr val="accent1"/>
+          </a:effectRef>
+          <a:fontRef idx="minor">
+            <a:schemeClr val="tx1"/>
+          </a:fontRef>
+        </p:style>
+      </p:cxnSp>
+      <p:sp>
+        <p:nvSpPr>
+          <p:cNvPr id="14" name="pole tekstowe 13"/>
+          <p:cNvSpPr txBox="1"/>
+          <p:nvPr/>
+        </p:nvSpPr>
+        <p:spPr>
+          <a:xfrm>
+            <a:off x="557680" y="5265867"/>
+            <a:ext cx="2928470" cy="923330"/>
+          </a:xfrm>
+          <a:prstGeom prst="rect">
+            <a:avLst/>
+          </a:prstGeom>
+          <a:noFill/>
+        </p:spPr>
+        <p:txBody>
+          <a:bodyPr wrap="square" rtlCol="0">
+            <a:spAutoFit/>
+          </a:bodyPr>
+          <a:lstStyle/>
+          <a:p>
+            <a:r>
+              <a:rPr lang="pl-PL" dirty="0" smtClean="0"/>
+              <a:t>Wiszący przycisk umożliwia dodanie punktu – podstawowego typu pomiaru</a:t>
             </a:r>
             <a:endParaRPr lang="pl-PL" dirty="0"/>
           </a:p>
@@ -4153,8 +4324,8 @@
         </p:nvSpPr>
         <p:spPr>
           <a:xfrm>
-            <a:off x="5005388" y="2975001"/>
-            <a:ext cx="1105852" cy="457200"/>
+            <a:off x="5005388" y="2975002"/>
+            <a:ext cx="2325052" cy="260072"/>
           </a:xfrm>
           <a:prstGeom prst="roundRect">
             <a:avLst/>
@@ -4187,14 +4358,14 @@
       </p:sp>
       <p:sp>
         <p:nvSpPr>
-          <p:cNvPr id="14" name="Prostokąt zaokrąglony 13"/>
+          <p:cNvPr id="15" name="Prostokąt zaokrąglony 14"/>
           <p:cNvSpPr/>
           <p:nvPr/>
         </p:nvSpPr>
         <p:spPr>
           <a:xfrm>
-            <a:off x="6330316" y="2967545"/>
-            <a:ext cx="1053942" cy="457200"/>
+            <a:off x="5002052" y="3647162"/>
+            <a:ext cx="2325053" cy="236915"/>
           </a:xfrm>
           <a:prstGeom prst="roundRect">
             <a:avLst/>
@@ -4221,32 +4392,20 @@
           <a:lstStyle/>
           <a:p>
             <a:pPr algn="ctr"/>
-            <a:r>
-              <a:rPr lang="pl-PL" sz="1000" dirty="0" smtClean="0">
-                <a:solidFill>
-                  <a:schemeClr val="tx1"/>
-                </a:solidFill>
-              </a:rPr>
-              <a:t>Punkt</a:t>
-            </a:r>
-            <a:endParaRPr lang="pl-PL" sz="1000" dirty="0">
-              <a:solidFill>
-                <a:schemeClr val="tx1"/>
-              </a:solidFill>
-            </a:endParaRPr>
-          </a:p>
-        </p:txBody>
-      </p:sp>
-      <p:sp>
-        <p:nvSpPr>
-          <p:cNvPr id="15" name="Prostokąt zaokrąglony 14"/>
+            <a:endParaRPr lang="pl-PL"/>
+          </a:p>
+        </p:txBody>
+      </p:sp>
+      <p:sp>
+        <p:nvSpPr>
+          <p:cNvPr id="16" name="Prostokąt zaokrąglony 15"/>
           <p:cNvSpPr/>
           <p:nvPr/>
         </p:nvSpPr>
         <p:spPr>
           <a:xfrm>
-            <a:off x="6330317" y="3647162"/>
-            <a:ext cx="1061084" cy="457200"/>
+            <a:off x="5002052" y="3296470"/>
+            <a:ext cx="2325053" cy="251632"/>
           </a:xfrm>
           <a:prstGeom prst="roundRect">
             <a:avLst/>
@@ -4279,53 +4438,13 @@
       </p:sp>
       <p:sp>
         <p:nvSpPr>
-          <p:cNvPr id="16" name="Prostokąt zaokrąglony 15"/>
-          <p:cNvSpPr/>
-          <p:nvPr/>
-        </p:nvSpPr>
-        <p:spPr>
-          <a:xfrm>
-            <a:off x="4983480" y="3647162"/>
-            <a:ext cx="1127760" cy="457200"/>
-          </a:xfrm>
-          <a:prstGeom prst="roundRect">
-            <a:avLst/>
-          </a:prstGeom>
-        </p:spPr>
-        <p:style>
-          <a:lnRef idx="2">
-            <a:schemeClr val="accent1">
-              <a:shade val="50000"/>
-            </a:schemeClr>
-          </a:lnRef>
-          <a:fillRef idx="1">
-            <a:schemeClr val="accent1"/>
-          </a:fillRef>
-          <a:effectRef idx="0">
-            <a:schemeClr val="accent1"/>
-          </a:effectRef>
-          <a:fontRef idx="minor">
-            <a:schemeClr val="lt1"/>
-          </a:fontRef>
-        </p:style>
-        <p:txBody>
-          <a:bodyPr rtlCol="0" anchor="ctr"/>
-          <a:lstStyle/>
-          <a:p>
-            <a:pPr algn="ctr"/>
-            <a:endParaRPr lang="pl-PL"/>
-          </a:p>
-        </p:txBody>
-      </p:sp>
-      <p:sp>
-        <p:nvSpPr>
           <p:cNvPr id="19" name="pole tekstowe 18"/>
           <p:cNvSpPr txBox="1"/>
           <p:nvPr/>
         </p:nvSpPr>
         <p:spPr>
           <a:xfrm>
-            <a:off x="5383054" y="3073034"/>
+            <a:off x="5974079" y="2981927"/>
             <a:ext cx="434339" cy="246221"/>
           </a:xfrm>
           <a:prstGeom prst="rect">
@@ -4355,8 +4474,8 @@
         </p:nvSpPr>
         <p:spPr>
           <a:xfrm>
-            <a:off x="6478771" y="3677248"/>
-            <a:ext cx="754152" cy="400110"/>
+            <a:off x="5682729" y="3640036"/>
+            <a:ext cx="1260768" cy="400110"/>
           </a:xfrm>
           <a:prstGeom prst="rect">
             <a:avLst/>
@@ -4371,7 +4490,18 @@
           <a:p>
             <a:r>
               <a:rPr lang="pl-PL" sz="1000" dirty="0" smtClean="0"/>
-              <a:t>Obszar              zamknięty</a:t>
+              <a:t>Obszar  </a:t>
+            </a:r>
+            <a:r>
+              <a:rPr lang="pl-PL" sz="1000" dirty="0" smtClean="0"/>
+              <a:t>zamknięty</a:t>
+            </a:r>
+            <a:endParaRPr lang="pl-PL" sz="1000" dirty="0"/>
+          </a:p>
+          <a:p>
+            <a:r>
+              <a:rPr lang="pl-PL" sz="1000" dirty="0" smtClean="0"/>
+              <a:t>       </a:t>
             </a:r>
             <a:endParaRPr lang="pl-PL" sz="1000" dirty="0"/>
           </a:p>
@@ -4385,7 +4515,7 @@
         </p:nvSpPr>
         <p:spPr>
           <a:xfrm>
-            <a:off x="5311140" y="3752651"/>
+            <a:off x="5955028" y="3290294"/>
             <a:ext cx="472440" cy="246221"/>
           </a:xfrm>
           <a:prstGeom prst="rect">
